--- a/ppt 16-9/1424.你们要谨慎.pptx
+++ b/ppt 16-9/1424.你们要谨慎.pptx
@@ -129,7 +129,7 @@
           <p:cNvPr id="2" name="标题 1">
             <a:extLst>
               <a:ext uri="{FF2B5EF4-FFF2-40B4-BE49-F238E27FC236}">
-                <a16:creationId xmlns:a16="http://schemas.microsoft.com/office/drawing/2014/main" id="{35CB7F56-A808-6C1F-D515-49B394DBB8D8}"/>
+                <a16:creationId xmlns:a16="http://schemas.microsoft.com/office/drawing/2014/main" id="{179B7286-CF1A-1420-2CA2-4B4EC5D0B969}"/>
               </a:ext>
             </a:extLst>
           </p:cNvPr>
@@ -166,7 +166,7 @@
           <p:cNvPr id="3" name="副标题 2">
             <a:extLst>
               <a:ext uri="{FF2B5EF4-FFF2-40B4-BE49-F238E27FC236}">
-                <a16:creationId xmlns:a16="http://schemas.microsoft.com/office/drawing/2014/main" id="{24BFBC8F-C780-597B-5C90-A33E44A97AB0}"/>
+                <a16:creationId xmlns:a16="http://schemas.microsoft.com/office/drawing/2014/main" id="{E804558B-F9B5-B3DA-8B43-C7BC2D385DD3}"/>
               </a:ext>
             </a:extLst>
           </p:cNvPr>
@@ -236,7 +236,7 @@
           <p:cNvPr id="4" name="日期占位符 3">
             <a:extLst>
               <a:ext uri="{FF2B5EF4-FFF2-40B4-BE49-F238E27FC236}">
-                <a16:creationId xmlns:a16="http://schemas.microsoft.com/office/drawing/2014/main" id="{196FBB62-BB29-7438-3DD3-281D29E965F6}"/>
+                <a16:creationId xmlns:a16="http://schemas.microsoft.com/office/drawing/2014/main" id="{02730A06-C441-E834-CE5B-C07BACC271CA}"/>
               </a:ext>
             </a:extLst>
           </p:cNvPr>
@@ -252,7 +252,7 @@
           <a:bodyPr/>
           <a:lstStyle/>
           <a:p>
-            <a:fld id="{9E1ED66B-2A90-44FD-8750-613D01E3996D}" type="datetimeFigureOut">
+            <a:fld id="{51911D81-3E00-4529-A67A-D4A86F72553B}" type="datetimeFigureOut">
               <a:rPr lang="zh-CN" altLang="en-US" smtClean="0"/>
               <a:t>2024/3/10</a:t>
             </a:fld>
@@ -265,7 +265,7 @@
           <p:cNvPr id="5" name="页脚占位符 4">
             <a:extLst>
               <a:ext uri="{FF2B5EF4-FFF2-40B4-BE49-F238E27FC236}">
-                <a16:creationId xmlns:a16="http://schemas.microsoft.com/office/drawing/2014/main" id="{FE94FAD5-7CD2-209E-099A-FB1D0590E17D}"/>
+                <a16:creationId xmlns:a16="http://schemas.microsoft.com/office/drawing/2014/main" id="{45D494A3-1DE1-A682-5AE1-EFC34468CD21}"/>
               </a:ext>
             </a:extLst>
           </p:cNvPr>
@@ -290,7 +290,7 @@
           <p:cNvPr id="6" name="灯片编号占位符 5">
             <a:extLst>
               <a:ext uri="{FF2B5EF4-FFF2-40B4-BE49-F238E27FC236}">
-                <a16:creationId xmlns:a16="http://schemas.microsoft.com/office/drawing/2014/main" id="{C7BA1C70-502D-840F-760A-014E60DF49E7}"/>
+                <a16:creationId xmlns:a16="http://schemas.microsoft.com/office/drawing/2014/main" id="{2CC6D8DF-30C6-75BD-0658-758D3BA1CC28}"/>
               </a:ext>
             </a:extLst>
           </p:cNvPr>
@@ -306,7 +306,7 @@
           <a:bodyPr/>
           <a:lstStyle/>
           <a:p>
-            <a:fld id="{837A18FB-303B-4AC9-8F0E-1B5BEA30939D}" type="slidenum">
+            <a:fld id="{08EB002B-F126-48F9-91F8-07F9C5A0680C}" type="slidenum">
               <a:rPr lang="zh-CN" altLang="en-US" smtClean="0"/>
               <a:t>‹#›</a:t>
             </a:fld>
@@ -317,7 +317,7 @@
     </p:spTree>
     <p:extLst>
       <p:ext uri="{BB962C8B-B14F-4D97-AF65-F5344CB8AC3E}">
-        <p14:creationId xmlns:p14="http://schemas.microsoft.com/office/powerpoint/2010/main" val="1640737168"/>
+        <p14:creationId xmlns:p14="http://schemas.microsoft.com/office/powerpoint/2010/main" val="1889698533"/>
       </p:ext>
     </p:extLst>
   </p:cSld>
@@ -349,7 +349,7 @@
           <p:cNvPr id="2" name="标题 1">
             <a:extLst>
               <a:ext uri="{FF2B5EF4-FFF2-40B4-BE49-F238E27FC236}">
-                <a16:creationId xmlns:a16="http://schemas.microsoft.com/office/drawing/2014/main" id="{3992B142-F511-2B8A-309A-D4FEFEB35E7D}"/>
+                <a16:creationId xmlns:a16="http://schemas.microsoft.com/office/drawing/2014/main" id="{7ED7BC06-124F-E22F-CDC7-C63B91362501}"/>
               </a:ext>
             </a:extLst>
           </p:cNvPr>
@@ -377,7 +377,7 @@
           <p:cNvPr id="3" name="竖排文字占位符 2">
             <a:extLst>
               <a:ext uri="{FF2B5EF4-FFF2-40B4-BE49-F238E27FC236}">
-                <a16:creationId xmlns:a16="http://schemas.microsoft.com/office/drawing/2014/main" id="{C8513D6D-D3DE-918D-6B21-AADCF91D3566}"/>
+                <a16:creationId xmlns:a16="http://schemas.microsoft.com/office/drawing/2014/main" id="{E8C68972-D254-358C-DDE3-2A2B70D3BC6A}"/>
               </a:ext>
             </a:extLst>
           </p:cNvPr>
@@ -434,7 +434,7 @@
           <p:cNvPr id="4" name="日期占位符 3">
             <a:extLst>
               <a:ext uri="{FF2B5EF4-FFF2-40B4-BE49-F238E27FC236}">
-                <a16:creationId xmlns:a16="http://schemas.microsoft.com/office/drawing/2014/main" id="{508EE10F-43FD-788C-E3EF-F582BA1A615A}"/>
+                <a16:creationId xmlns:a16="http://schemas.microsoft.com/office/drawing/2014/main" id="{1F4FC2A3-EF70-7A25-9707-48F5E93C8A06}"/>
               </a:ext>
             </a:extLst>
           </p:cNvPr>
@@ -450,7 +450,7 @@
           <a:bodyPr/>
           <a:lstStyle/>
           <a:p>
-            <a:fld id="{9E1ED66B-2A90-44FD-8750-613D01E3996D}" type="datetimeFigureOut">
+            <a:fld id="{51911D81-3E00-4529-A67A-D4A86F72553B}" type="datetimeFigureOut">
               <a:rPr lang="zh-CN" altLang="en-US" smtClean="0"/>
               <a:t>2024/3/10</a:t>
             </a:fld>
@@ -463,7 +463,7 @@
           <p:cNvPr id="5" name="页脚占位符 4">
             <a:extLst>
               <a:ext uri="{FF2B5EF4-FFF2-40B4-BE49-F238E27FC236}">
-                <a16:creationId xmlns:a16="http://schemas.microsoft.com/office/drawing/2014/main" id="{32E0B713-6125-3A2F-45F0-AE2F17311D70}"/>
+                <a16:creationId xmlns:a16="http://schemas.microsoft.com/office/drawing/2014/main" id="{48CB5594-95C9-3CBD-3888-EC9C7C556336}"/>
               </a:ext>
             </a:extLst>
           </p:cNvPr>
@@ -488,7 +488,7 @@
           <p:cNvPr id="6" name="灯片编号占位符 5">
             <a:extLst>
               <a:ext uri="{FF2B5EF4-FFF2-40B4-BE49-F238E27FC236}">
-                <a16:creationId xmlns:a16="http://schemas.microsoft.com/office/drawing/2014/main" id="{1C91773F-58B5-2A99-3F7F-8CB7BF457F7A}"/>
+                <a16:creationId xmlns:a16="http://schemas.microsoft.com/office/drawing/2014/main" id="{ADED975D-8330-DD14-C51A-C421615E542E}"/>
               </a:ext>
             </a:extLst>
           </p:cNvPr>
@@ -504,7 +504,7 @@
           <a:bodyPr/>
           <a:lstStyle/>
           <a:p>
-            <a:fld id="{837A18FB-303B-4AC9-8F0E-1B5BEA30939D}" type="slidenum">
+            <a:fld id="{08EB002B-F126-48F9-91F8-07F9C5A0680C}" type="slidenum">
               <a:rPr lang="zh-CN" altLang="en-US" smtClean="0"/>
               <a:t>‹#›</a:t>
             </a:fld>
@@ -515,7 +515,7 @@
     </p:spTree>
     <p:extLst>
       <p:ext uri="{BB962C8B-B14F-4D97-AF65-F5344CB8AC3E}">
-        <p14:creationId xmlns:p14="http://schemas.microsoft.com/office/powerpoint/2010/main" val="1463065891"/>
+        <p14:creationId xmlns:p14="http://schemas.microsoft.com/office/powerpoint/2010/main" val="4007219086"/>
       </p:ext>
     </p:extLst>
   </p:cSld>
@@ -547,7 +547,7 @@
           <p:cNvPr id="2" name="竖排标题 1">
             <a:extLst>
               <a:ext uri="{FF2B5EF4-FFF2-40B4-BE49-F238E27FC236}">
-                <a16:creationId xmlns:a16="http://schemas.microsoft.com/office/drawing/2014/main" id="{35BA3EBD-D300-7614-00AA-E71F3592F3DC}"/>
+                <a16:creationId xmlns:a16="http://schemas.microsoft.com/office/drawing/2014/main" id="{3E668D50-E259-BB56-5B7A-F04C6A9B3E49}"/>
               </a:ext>
             </a:extLst>
           </p:cNvPr>
@@ -580,7 +580,7 @@
           <p:cNvPr id="3" name="竖排文字占位符 2">
             <a:extLst>
               <a:ext uri="{FF2B5EF4-FFF2-40B4-BE49-F238E27FC236}">
-                <a16:creationId xmlns:a16="http://schemas.microsoft.com/office/drawing/2014/main" id="{B839EB73-6528-2CD3-B3DD-2A659490C107}"/>
+                <a16:creationId xmlns:a16="http://schemas.microsoft.com/office/drawing/2014/main" id="{5D4A1F26-07BC-EAF4-1C51-6E7948E038D7}"/>
               </a:ext>
             </a:extLst>
           </p:cNvPr>
@@ -642,7 +642,7 @@
           <p:cNvPr id="4" name="日期占位符 3">
             <a:extLst>
               <a:ext uri="{FF2B5EF4-FFF2-40B4-BE49-F238E27FC236}">
-                <a16:creationId xmlns:a16="http://schemas.microsoft.com/office/drawing/2014/main" id="{A1D29523-2AA3-5F59-D745-1D67F5C3FCD9}"/>
+                <a16:creationId xmlns:a16="http://schemas.microsoft.com/office/drawing/2014/main" id="{E792EFCF-EDDC-C262-8AB1-0C0C0A4618F1}"/>
               </a:ext>
             </a:extLst>
           </p:cNvPr>
@@ -658,7 +658,7 @@
           <a:bodyPr/>
           <a:lstStyle/>
           <a:p>
-            <a:fld id="{9E1ED66B-2A90-44FD-8750-613D01E3996D}" type="datetimeFigureOut">
+            <a:fld id="{51911D81-3E00-4529-A67A-D4A86F72553B}" type="datetimeFigureOut">
               <a:rPr lang="zh-CN" altLang="en-US" smtClean="0"/>
               <a:t>2024/3/10</a:t>
             </a:fld>
@@ -671,7 +671,7 @@
           <p:cNvPr id="5" name="页脚占位符 4">
             <a:extLst>
               <a:ext uri="{FF2B5EF4-FFF2-40B4-BE49-F238E27FC236}">
-                <a16:creationId xmlns:a16="http://schemas.microsoft.com/office/drawing/2014/main" id="{7B27C9EE-93A8-3028-7447-106AD9534C87}"/>
+                <a16:creationId xmlns:a16="http://schemas.microsoft.com/office/drawing/2014/main" id="{C6BD5BCA-7953-B24F-16D8-4B06D350681A}"/>
               </a:ext>
             </a:extLst>
           </p:cNvPr>
@@ -696,7 +696,7 @@
           <p:cNvPr id="6" name="灯片编号占位符 5">
             <a:extLst>
               <a:ext uri="{FF2B5EF4-FFF2-40B4-BE49-F238E27FC236}">
-                <a16:creationId xmlns:a16="http://schemas.microsoft.com/office/drawing/2014/main" id="{B77DED87-7ABE-69C2-21D5-F61C1269F0A8}"/>
+                <a16:creationId xmlns:a16="http://schemas.microsoft.com/office/drawing/2014/main" id="{9EC0034E-B10D-0471-3E9A-1D5A53A1F8A4}"/>
               </a:ext>
             </a:extLst>
           </p:cNvPr>
@@ -712,7 +712,7 @@
           <a:bodyPr/>
           <a:lstStyle/>
           <a:p>
-            <a:fld id="{837A18FB-303B-4AC9-8F0E-1B5BEA30939D}" type="slidenum">
+            <a:fld id="{08EB002B-F126-48F9-91F8-07F9C5A0680C}" type="slidenum">
               <a:rPr lang="zh-CN" altLang="en-US" smtClean="0"/>
               <a:t>‹#›</a:t>
             </a:fld>
@@ -723,7 +723,7 @@
     </p:spTree>
     <p:extLst>
       <p:ext uri="{BB962C8B-B14F-4D97-AF65-F5344CB8AC3E}">
-        <p14:creationId xmlns:p14="http://schemas.microsoft.com/office/powerpoint/2010/main" val="3287713310"/>
+        <p14:creationId xmlns:p14="http://schemas.microsoft.com/office/powerpoint/2010/main" val="1196966348"/>
       </p:ext>
     </p:extLst>
   </p:cSld>
@@ -755,7 +755,7 @@
           <p:cNvPr id="2" name="标题 1">
             <a:extLst>
               <a:ext uri="{FF2B5EF4-FFF2-40B4-BE49-F238E27FC236}">
-                <a16:creationId xmlns:a16="http://schemas.microsoft.com/office/drawing/2014/main" id="{A4B643DD-6F26-1CC5-9DF0-FE617D9D4F6B}"/>
+                <a16:creationId xmlns:a16="http://schemas.microsoft.com/office/drawing/2014/main" id="{20BA40BC-C735-4EC3-B085-F468C37C156D}"/>
               </a:ext>
             </a:extLst>
           </p:cNvPr>
@@ -783,7 +783,7 @@
           <p:cNvPr id="3" name="内容占位符 2">
             <a:extLst>
               <a:ext uri="{FF2B5EF4-FFF2-40B4-BE49-F238E27FC236}">
-                <a16:creationId xmlns:a16="http://schemas.microsoft.com/office/drawing/2014/main" id="{6C1353F5-5773-A7DA-829E-76FFC85D5CB0}"/>
+                <a16:creationId xmlns:a16="http://schemas.microsoft.com/office/drawing/2014/main" id="{966F57A0-726C-DB2A-0288-279FE736798F}"/>
               </a:ext>
             </a:extLst>
           </p:cNvPr>
@@ -840,7 +840,7 @@
           <p:cNvPr id="4" name="日期占位符 3">
             <a:extLst>
               <a:ext uri="{FF2B5EF4-FFF2-40B4-BE49-F238E27FC236}">
-                <a16:creationId xmlns:a16="http://schemas.microsoft.com/office/drawing/2014/main" id="{392BECB6-9913-D84E-F071-4494B282D296}"/>
+                <a16:creationId xmlns:a16="http://schemas.microsoft.com/office/drawing/2014/main" id="{9EC6F4D6-6754-2366-139B-5526AC228C81}"/>
               </a:ext>
             </a:extLst>
           </p:cNvPr>
@@ -856,7 +856,7 @@
           <a:bodyPr/>
           <a:lstStyle/>
           <a:p>
-            <a:fld id="{9E1ED66B-2A90-44FD-8750-613D01E3996D}" type="datetimeFigureOut">
+            <a:fld id="{51911D81-3E00-4529-A67A-D4A86F72553B}" type="datetimeFigureOut">
               <a:rPr lang="zh-CN" altLang="en-US" smtClean="0"/>
               <a:t>2024/3/10</a:t>
             </a:fld>
@@ -869,7 +869,7 @@
           <p:cNvPr id="5" name="页脚占位符 4">
             <a:extLst>
               <a:ext uri="{FF2B5EF4-FFF2-40B4-BE49-F238E27FC236}">
-                <a16:creationId xmlns:a16="http://schemas.microsoft.com/office/drawing/2014/main" id="{9F071726-C7E6-A2BE-3BB8-FE31E432ACE7}"/>
+                <a16:creationId xmlns:a16="http://schemas.microsoft.com/office/drawing/2014/main" id="{E26F7F8E-30AD-D7CA-09F0-BBB173EBC007}"/>
               </a:ext>
             </a:extLst>
           </p:cNvPr>
@@ -894,7 +894,7 @@
           <p:cNvPr id="6" name="灯片编号占位符 5">
             <a:extLst>
               <a:ext uri="{FF2B5EF4-FFF2-40B4-BE49-F238E27FC236}">
-                <a16:creationId xmlns:a16="http://schemas.microsoft.com/office/drawing/2014/main" id="{143043E1-E651-DA0B-1AE8-E32B70694915}"/>
+                <a16:creationId xmlns:a16="http://schemas.microsoft.com/office/drawing/2014/main" id="{1533CBD6-E1B4-3895-22AE-E9C8653885EC}"/>
               </a:ext>
             </a:extLst>
           </p:cNvPr>
@@ -910,7 +910,7 @@
           <a:bodyPr/>
           <a:lstStyle/>
           <a:p>
-            <a:fld id="{837A18FB-303B-4AC9-8F0E-1B5BEA30939D}" type="slidenum">
+            <a:fld id="{08EB002B-F126-48F9-91F8-07F9C5A0680C}" type="slidenum">
               <a:rPr lang="zh-CN" altLang="en-US" smtClean="0"/>
               <a:t>‹#›</a:t>
             </a:fld>
@@ -921,7 +921,7 @@
     </p:spTree>
     <p:extLst>
       <p:ext uri="{BB962C8B-B14F-4D97-AF65-F5344CB8AC3E}">
-        <p14:creationId xmlns:p14="http://schemas.microsoft.com/office/powerpoint/2010/main" val="2574175350"/>
+        <p14:creationId xmlns:p14="http://schemas.microsoft.com/office/powerpoint/2010/main" val="485451369"/>
       </p:ext>
     </p:extLst>
   </p:cSld>
@@ -953,7 +953,7 @@
           <p:cNvPr id="2" name="标题 1">
             <a:extLst>
               <a:ext uri="{FF2B5EF4-FFF2-40B4-BE49-F238E27FC236}">
-                <a16:creationId xmlns:a16="http://schemas.microsoft.com/office/drawing/2014/main" id="{5EC12843-B24C-8DB8-14E1-A9550001B509}"/>
+                <a16:creationId xmlns:a16="http://schemas.microsoft.com/office/drawing/2014/main" id="{D0B25C5E-9FEE-80CE-E6A8-F51714E666C8}"/>
               </a:ext>
             </a:extLst>
           </p:cNvPr>
@@ -990,7 +990,7 @@
           <p:cNvPr id="3" name="文本占位符 2">
             <a:extLst>
               <a:ext uri="{FF2B5EF4-FFF2-40B4-BE49-F238E27FC236}">
-                <a16:creationId xmlns:a16="http://schemas.microsoft.com/office/drawing/2014/main" id="{F5B3F003-0035-9F6A-915C-4E853147A8E8}"/>
+                <a16:creationId xmlns:a16="http://schemas.microsoft.com/office/drawing/2014/main" id="{B7E2BB11-3D41-9FB5-90A3-EF5F3E1F5403}"/>
               </a:ext>
             </a:extLst>
           </p:cNvPr>
@@ -1115,7 +1115,7 @@
           <p:cNvPr id="4" name="日期占位符 3">
             <a:extLst>
               <a:ext uri="{FF2B5EF4-FFF2-40B4-BE49-F238E27FC236}">
-                <a16:creationId xmlns:a16="http://schemas.microsoft.com/office/drawing/2014/main" id="{0687A875-AA86-56E4-EAC7-82273CB6C676}"/>
+                <a16:creationId xmlns:a16="http://schemas.microsoft.com/office/drawing/2014/main" id="{98FC48C4-0F2B-998E-098C-59F0D1475B01}"/>
               </a:ext>
             </a:extLst>
           </p:cNvPr>
@@ -1131,7 +1131,7 @@
           <a:bodyPr/>
           <a:lstStyle/>
           <a:p>
-            <a:fld id="{9E1ED66B-2A90-44FD-8750-613D01E3996D}" type="datetimeFigureOut">
+            <a:fld id="{51911D81-3E00-4529-A67A-D4A86F72553B}" type="datetimeFigureOut">
               <a:rPr lang="zh-CN" altLang="en-US" smtClean="0"/>
               <a:t>2024/3/10</a:t>
             </a:fld>
@@ -1144,7 +1144,7 @@
           <p:cNvPr id="5" name="页脚占位符 4">
             <a:extLst>
               <a:ext uri="{FF2B5EF4-FFF2-40B4-BE49-F238E27FC236}">
-                <a16:creationId xmlns:a16="http://schemas.microsoft.com/office/drawing/2014/main" id="{A54FB5EB-2787-621C-252B-0DBCAE256A44}"/>
+                <a16:creationId xmlns:a16="http://schemas.microsoft.com/office/drawing/2014/main" id="{B93BE124-2BDD-513D-5F71-7932FB96A2DE}"/>
               </a:ext>
             </a:extLst>
           </p:cNvPr>
@@ -1169,7 +1169,7 @@
           <p:cNvPr id="6" name="灯片编号占位符 5">
             <a:extLst>
               <a:ext uri="{FF2B5EF4-FFF2-40B4-BE49-F238E27FC236}">
-                <a16:creationId xmlns:a16="http://schemas.microsoft.com/office/drawing/2014/main" id="{5BE6D1C3-868B-0D0E-914F-9044A077B474}"/>
+                <a16:creationId xmlns:a16="http://schemas.microsoft.com/office/drawing/2014/main" id="{347B5C66-ABF3-DB59-7903-34DB37E294E5}"/>
               </a:ext>
             </a:extLst>
           </p:cNvPr>
@@ -1185,7 +1185,7 @@
           <a:bodyPr/>
           <a:lstStyle/>
           <a:p>
-            <a:fld id="{837A18FB-303B-4AC9-8F0E-1B5BEA30939D}" type="slidenum">
+            <a:fld id="{08EB002B-F126-48F9-91F8-07F9C5A0680C}" type="slidenum">
               <a:rPr lang="zh-CN" altLang="en-US" smtClean="0"/>
               <a:t>‹#›</a:t>
             </a:fld>
@@ -1196,7 +1196,7 @@
     </p:spTree>
     <p:extLst>
       <p:ext uri="{BB962C8B-B14F-4D97-AF65-F5344CB8AC3E}">
-        <p14:creationId xmlns:p14="http://schemas.microsoft.com/office/powerpoint/2010/main" val="2300417284"/>
+        <p14:creationId xmlns:p14="http://schemas.microsoft.com/office/powerpoint/2010/main" val="3822265941"/>
       </p:ext>
     </p:extLst>
   </p:cSld>
@@ -1228,7 +1228,7 @@
           <p:cNvPr id="2" name="标题 1">
             <a:extLst>
               <a:ext uri="{FF2B5EF4-FFF2-40B4-BE49-F238E27FC236}">
-                <a16:creationId xmlns:a16="http://schemas.microsoft.com/office/drawing/2014/main" id="{77494F11-BC51-D4CB-4585-3C11F06B0CDF}"/>
+                <a16:creationId xmlns:a16="http://schemas.microsoft.com/office/drawing/2014/main" id="{7C56C72E-4B4B-FCCC-6F9F-163413816B14}"/>
               </a:ext>
             </a:extLst>
           </p:cNvPr>
@@ -1256,7 +1256,7 @@
           <p:cNvPr id="3" name="内容占位符 2">
             <a:extLst>
               <a:ext uri="{FF2B5EF4-FFF2-40B4-BE49-F238E27FC236}">
-                <a16:creationId xmlns:a16="http://schemas.microsoft.com/office/drawing/2014/main" id="{10E6C1DA-C3C3-7A74-B563-892580BA4460}"/>
+                <a16:creationId xmlns:a16="http://schemas.microsoft.com/office/drawing/2014/main" id="{69577F63-F54F-C340-5053-40AE479D3EF9}"/>
               </a:ext>
             </a:extLst>
           </p:cNvPr>
@@ -1318,7 +1318,7 @@
           <p:cNvPr id="4" name="内容占位符 3">
             <a:extLst>
               <a:ext uri="{FF2B5EF4-FFF2-40B4-BE49-F238E27FC236}">
-                <a16:creationId xmlns:a16="http://schemas.microsoft.com/office/drawing/2014/main" id="{3375EEAF-0831-C1E7-405A-BFEE91E773F7}"/>
+                <a16:creationId xmlns:a16="http://schemas.microsoft.com/office/drawing/2014/main" id="{EEC0EBE8-1922-2F7D-F1BF-07376647CE53}"/>
               </a:ext>
             </a:extLst>
           </p:cNvPr>
@@ -1380,7 +1380,7 @@
           <p:cNvPr id="5" name="日期占位符 4">
             <a:extLst>
               <a:ext uri="{FF2B5EF4-FFF2-40B4-BE49-F238E27FC236}">
-                <a16:creationId xmlns:a16="http://schemas.microsoft.com/office/drawing/2014/main" id="{15EB3F48-9ACC-FBB5-6B82-F62D7859CFAF}"/>
+                <a16:creationId xmlns:a16="http://schemas.microsoft.com/office/drawing/2014/main" id="{BE7EB2EE-E44F-3DA4-8AA3-D906E4A7672D}"/>
               </a:ext>
             </a:extLst>
           </p:cNvPr>
@@ -1396,7 +1396,7 @@
           <a:bodyPr/>
           <a:lstStyle/>
           <a:p>
-            <a:fld id="{9E1ED66B-2A90-44FD-8750-613D01E3996D}" type="datetimeFigureOut">
+            <a:fld id="{51911D81-3E00-4529-A67A-D4A86F72553B}" type="datetimeFigureOut">
               <a:rPr lang="zh-CN" altLang="en-US" smtClean="0"/>
               <a:t>2024/3/10</a:t>
             </a:fld>
@@ -1409,7 +1409,7 @@
           <p:cNvPr id="6" name="页脚占位符 5">
             <a:extLst>
               <a:ext uri="{FF2B5EF4-FFF2-40B4-BE49-F238E27FC236}">
-                <a16:creationId xmlns:a16="http://schemas.microsoft.com/office/drawing/2014/main" id="{B0DE34BD-7389-AA79-4C5E-AB937A5D5A7F}"/>
+                <a16:creationId xmlns:a16="http://schemas.microsoft.com/office/drawing/2014/main" id="{6231FE02-E1C2-0F33-1A29-6E11D7931657}"/>
               </a:ext>
             </a:extLst>
           </p:cNvPr>
@@ -1434,7 +1434,7 @@
           <p:cNvPr id="7" name="灯片编号占位符 6">
             <a:extLst>
               <a:ext uri="{FF2B5EF4-FFF2-40B4-BE49-F238E27FC236}">
-                <a16:creationId xmlns:a16="http://schemas.microsoft.com/office/drawing/2014/main" id="{97965FBF-4BDB-BB5B-BA2B-A1F4A8E16CDA}"/>
+                <a16:creationId xmlns:a16="http://schemas.microsoft.com/office/drawing/2014/main" id="{F46BA028-05F0-BD6D-D74B-A129B10B2B3E}"/>
               </a:ext>
             </a:extLst>
           </p:cNvPr>
@@ -1450,7 +1450,7 @@
           <a:bodyPr/>
           <a:lstStyle/>
           <a:p>
-            <a:fld id="{837A18FB-303B-4AC9-8F0E-1B5BEA30939D}" type="slidenum">
+            <a:fld id="{08EB002B-F126-48F9-91F8-07F9C5A0680C}" type="slidenum">
               <a:rPr lang="zh-CN" altLang="en-US" smtClean="0"/>
               <a:t>‹#›</a:t>
             </a:fld>
@@ -1461,7 +1461,7 @@
     </p:spTree>
     <p:extLst>
       <p:ext uri="{BB962C8B-B14F-4D97-AF65-F5344CB8AC3E}">
-        <p14:creationId xmlns:p14="http://schemas.microsoft.com/office/powerpoint/2010/main" val="4073497010"/>
+        <p14:creationId xmlns:p14="http://schemas.microsoft.com/office/powerpoint/2010/main" val="3330904112"/>
       </p:ext>
     </p:extLst>
   </p:cSld>
@@ -1493,7 +1493,7 @@
           <p:cNvPr id="2" name="标题 1">
             <a:extLst>
               <a:ext uri="{FF2B5EF4-FFF2-40B4-BE49-F238E27FC236}">
-                <a16:creationId xmlns:a16="http://schemas.microsoft.com/office/drawing/2014/main" id="{275719E2-7C2B-8406-3AD4-AB81BBD0D207}"/>
+                <a16:creationId xmlns:a16="http://schemas.microsoft.com/office/drawing/2014/main" id="{F96111C0-4F2E-E49F-76D9-EF99D2C2D7E2}"/>
               </a:ext>
             </a:extLst>
           </p:cNvPr>
@@ -1526,7 +1526,7 @@
           <p:cNvPr id="3" name="文本占位符 2">
             <a:extLst>
               <a:ext uri="{FF2B5EF4-FFF2-40B4-BE49-F238E27FC236}">
-                <a16:creationId xmlns:a16="http://schemas.microsoft.com/office/drawing/2014/main" id="{032DD3E4-103C-C672-6E9B-F361978F4377}"/>
+                <a16:creationId xmlns:a16="http://schemas.microsoft.com/office/drawing/2014/main" id="{EC6B1CB6-1EEA-C36E-B322-206ED4C81EF8}"/>
               </a:ext>
             </a:extLst>
           </p:cNvPr>
@@ -1597,7 +1597,7 @@
           <p:cNvPr id="4" name="内容占位符 3">
             <a:extLst>
               <a:ext uri="{FF2B5EF4-FFF2-40B4-BE49-F238E27FC236}">
-                <a16:creationId xmlns:a16="http://schemas.microsoft.com/office/drawing/2014/main" id="{58EEAD95-46DF-5540-4107-21F82F6C1E58}"/>
+                <a16:creationId xmlns:a16="http://schemas.microsoft.com/office/drawing/2014/main" id="{92EA9F0D-F727-A60C-30AC-A8942B5A4B9C}"/>
               </a:ext>
             </a:extLst>
           </p:cNvPr>
@@ -1659,7 +1659,7 @@
           <p:cNvPr id="5" name="文本占位符 4">
             <a:extLst>
               <a:ext uri="{FF2B5EF4-FFF2-40B4-BE49-F238E27FC236}">
-                <a16:creationId xmlns:a16="http://schemas.microsoft.com/office/drawing/2014/main" id="{FC3651C9-4103-6125-5207-699CEB5D38B8}"/>
+                <a16:creationId xmlns:a16="http://schemas.microsoft.com/office/drawing/2014/main" id="{FD02BB76-4288-1137-9C67-9BD230246640}"/>
               </a:ext>
             </a:extLst>
           </p:cNvPr>
@@ -1730,7 +1730,7 @@
           <p:cNvPr id="6" name="内容占位符 5">
             <a:extLst>
               <a:ext uri="{FF2B5EF4-FFF2-40B4-BE49-F238E27FC236}">
-                <a16:creationId xmlns:a16="http://schemas.microsoft.com/office/drawing/2014/main" id="{79EA238C-5AC9-2F99-39A6-F7CBCEEFC1E1}"/>
+                <a16:creationId xmlns:a16="http://schemas.microsoft.com/office/drawing/2014/main" id="{34871915-47C1-E730-7649-FE001C407BB6}"/>
               </a:ext>
             </a:extLst>
           </p:cNvPr>
@@ -1792,7 +1792,7 @@
           <p:cNvPr id="7" name="日期占位符 6">
             <a:extLst>
               <a:ext uri="{FF2B5EF4-FFF2-40B4-BE49-F238E27FC236}">
-                <a16:creationId xmlns:a16="http://schemas.microsoft.com/office/drawing/2014/main" id="{2E37E85F-47F7-509D-9227-2D91B68B01EB}"/>
+                <a16:creationId xmlns:a16="http://schemas.microsoft.com/office/drawing/2014/main" id="{BB9B8DFF-E7EC-A534-4FC6-BC1F47C14F57}"/>
               </a:ext>
             </a:extLst>
           </p:cNvPr>
@@ -1808,7 +1808,7 @@
           <a:bodyPr/>
           <a:lstStyle/>
           <a:p>
-            <a:fld id="{9E1ED66B-2A90-44FD-8750-613D01E3996D}" type="datetimeFigureOut">
+            <a:fld id="{51911D81-3E00-4529-A67A-D4A86F72553B}" type="datetimeFigureOut">
               <a:rPr lang="zh-CN" altLang="en-US" smtClean="0"/>
               <a:t>2024/3/10</a:t>
             </a:fld>
@@ -1821,7 +1821,7 @@
           <p:cNvPr id="8" name="页脚占位符 7">
             <a:extLst>
               <a:ext uri="{FF2B5EF4-FFF2-40B4-BE49-F238E27FC236}">
-                <a16:creationId xmlns:a16="http://schemas.microsoft.com/office/drawing/2014/main" id="{6AE99A6B-9109-9AFF-AAC9-484A246172E7}"/>
+                <a16:creationId xmlns:a16="http://schemas.microsoft.com/office/drawing/2014/main" id="{C0E541D5-8155-DC6D-1EAA-1951E1ADFF3A}"/>
               </a:ext>
             </a:extLst>
           </p:cNvPr>
@@ -1846,7 +1846,7 @@
           <p:cNvPr id="9" name="灯片编号占位符 8">
             <a:extLst>
               <a:ext uri="{FF2B5EF4-FFF2-40B4-BE49-F238E27FC236}">
-                <a16:creationId xmlns:a16="http://schemas.microsoft.com/office/drawing/2014/main" id="{02BBDBB1-3A41-ED02-9B62-E63C72CEE990}"/>
+                <a16:creationId xmlns:a16="http://schemas.microsoft.com/office/drawing/2014/main" id="{37AA22DA-A9BA-D8CA-ED81-4CDB26ECD425}"/>
               </a:ext>
             </a:extLst>
           </p:cNvPr>
@@ -1862,7 +1862,7 @@
           <a:bodyPr/>
           <a:lstStyle/>
           <a:p>
-            <a:fld id="{837A18FB-303B-4AC9-8F0E-1B5BEA30939D}" type="slidenum">
+            <a:fld id="{08EB002B-F126-48F9-91F8-07F9C5A0680C}" type="slidenum">
               <a:rPr lang="zh-CN" altLang="en-US" smtClean="0"/>
               <a:t>‹#›</a:t>
             </a:fld>
@@ -1873,7 +1873,7 @@
     </p:spTree>
     <p:extLst>
       <p:ext uri="{BB962C8B-B14F-4D97-AF65-F5344CB8AC3E}">
-        <p14:creationId xmlns:p14="http://schemas.microsoft.com/office/powerpoint/2010/main" val="4206393258"/>
+        <p14:creationId xmlns:p14="http://schemas.microsoft.com/office/powerpoint/2010/main" val="1842962500"/>
       </p:ext>
     </p:extLst>
   </p:cSld>
@@ -1905,7 +1905,7 @@
           <p:cNvPr id="2" name="标题 1">
             <a:extLst>
               <a:ext uri="{FF2B5EF4-FFF2-40B4-BE49-F238E27FC236}">
-                <a16:creationId xmlns:a16="http://schemas.microsoft.com/office/drawing/2014/main" id="{4054049F-0082-96CF-BC85-926A025615C1}"/>
+                <a16:creationId xmlns:a16="http://schemas.microsoft.com/office/drawing/2014/main" id="{5D835894-9903-EA53-B7BA-9B6D32B74D47}"/>
               </a:ext>
             </a:extLst>
           </p:cNvPr>
@@ -1933,7 +1933,7 @@
           <p:cNvPr id="3" name="日期占位符 2">
             <a:extLst>
               <a:ext uri="{FF2B5EF4-FFF2-40B4-BE49-F238E27FC236}">
-                <a16:creationId xmlns:a16="http://schemas.microsoft.com/office/drawing/2014/main" id="{E4BE2B7A-BF6A-CA0C-49DE-D63CD8A7938E}"/>
+                <a16:creationId xmlns:a16="http://schemas.microsoft.com/office/drawing/2014/main" id="{CAFBAE4D-3B68-5649-0810-58A59A079AEB}"/>
               </a:ext>
             </a:extLst>
           </p:cNvPr>
@@ -1949,7 +1949,7 @@
           <a:bodyPr/>
           <a:lstStyle/>
           <a:p>
-            <a:fld id="{9E1ED66B-2A90-44FD-8750-613D01E3996D}" type="datetimeFigureOut">
+            <a:fld id="{51911D81-3E00-4529-A67A-D4A86F72553B}" type="datetimeFigureOut">
               <a:rPr lang="zh-CN" altLang="en-US" smtClean="0"/>
               <a:t>2024/3/10</a:t>
             </a:fld>
@@ -1962,7 +1962,7 @@
           <p:cNvPr id="4" name="页脚占位符 3">
             <a:extLst>
               <a:ext uri="{FF2B5EF4-FFF2-40B4-BE49-F238E27FC236}">
-                <a16:creationId xmlns:a16="http://schemas.microsoft.com/office/drawing/2014/main" id="{D3A25235-95C5-CFC1-9073-4EAA4EB23B97}"/>
+                <a16:creationId xmlns:a16="http://schemas.microsoft.com/office/drawing/2014/main" id="{BB69AC34-708D-FBF1-D82C-F6EB11CD3640}"/>
               </a:ext>
             </a:extLst>
           </p:cNvPr>
@@ -1987,7 +1987,7 @@
           <p:cNvPr id="5" name="灯片编号占位符 4">
             <a:extLst>
               <a:ext uri="{FF2B5EF4-FFF2-40B4-BE49-F238E27FC236}">
-                <a16:creationId xmlns:a16="http://schemas.microsoft.com/office/drawing/2014/main" id="{23A9CCFE-C374-B17D-21A3-CD23C4179388}"/>
+                <a16:creationId xmlns:a16="http://schemas.microsoft.com/office/drawing/2014/main" id="{8526141A-AED9-83AB-622C-CD0532F4E09A}"/>
               </a:ext>
             </a:extLst>
           </p:cNvPr>
@@ -2003,7 +2003,7 @@
           <a:bodyPr/>
           <a:lstStyle/>
           <a:p>
-            <a:fld id="{837A18FB-303B-4AC9-8F0E-1B5BEA30939D}" type="slidenum">
+            <a:fld id="{08EB002B-F126-48F9-91F8-07F9C5A0680C}" type="slidenum">
               <a:rPr lang="zh-CN" altLang="en-US" smtClean="0"/>
               <a:t>‹#›</a:t>
             </a:fld>
@@ -2014,7 +2014,7 @@
     </p:spTree>
     <p:extLst>
       <p:ext uri="{BB962C8B-B14F-4D97-AF65-F5344CB8AC3E}">
-        <p14:creationId xmlns:p14="http://schemas.microsoft.com/office/powerpoint/2010/main" val="3495298717"/>
+        <p14:creationId xmlns:p14="http://schemas.microsoft.com/office/powerpoint/2010/main" val="2204755156"/>
       </p:ext>
     </p:extLst>
   </p:cSld>
@@ -2046,7 +2046,7 @@
           <p:cNvPr id="2" name="日期占位符 1">
             <a:extLst>
               <a:ext uri="{FF2B5EF4-FFF2-40B4-BE49-F238E27FC236}">
-                <a16:creationId xmlns:a16="http://schemas.microsoft.com/office/drawing/2014/main" id="{AAA4E8EF-08C3-71F1-343C-9C1C0E2E9AD0}"/>
+                <a16:creationId xmlns:a16="http://schemas.microsoft.com/office/drawing/2014/main" id="{BD70EF08-B773-ACE2-A29E-F740A34E0119}"/>
               </a:ext>
             </a:extLst>
           </p:cNvPr>
@@ -2062,7 +2062,7 @@
           <a:bodyPr/>
           <a:lstStyle/>
           <a:p>
-            <a:fld id="{9E1ED66B-2A90-44FD-8750-613D01E3996D}" type="datetimeFigureOut">
+            <a:fld id="{51911D81-3E00-4529-A67A-D4A86F72553B}" type="datetimeFigureOut">
               <a:rPr lang="zh-CN" altLang="en-US" smtClean="0"/>
               <a:t>2024/3/10</a:t>
             </a:fld>
@@ -2075,7 +2075,7 @@
           <p:cNvPr id="3" name="页脚占位符 2">
             <a:extLst>
               <a:ext uri="{FF2B5EF4-FFF2-40B4-BE49-F238E27FC236}">
-                <a16:creationId xmlns:a16="http://schemas.microsoft.com/office/drawing/2014/main" id="{818923CC-ED56-FCF8-D5DA-FAB494A017D9}"/>
+                <a16:creationId xmlns:a16="http://schemas.microsoft.com/office/drawing/2014/main" id="{35107DB2-16E8-487F-678A-DA6C1913C06B}"/>
               </a:ext>
             </a:extLst>
           </p:cNvPr>
@@ -2100,7 +2100,7 @@
           <p:cNvPr id="4" name="灯片编号占位符 3">
             <a:extLst>
               <a:ext uri="{FF2B5EF4-FFF2-40B4-BE49-F238E27FC236}">
-                <a16:creationId xmlns:a16="http://schemas.microsoft.com/office/drawing/2014/main" id="{8F797BF5-A03A-C060-7232-61A76A26B14D}"/>
+                <a16:creationId xmlns:a16="http://schemas.microsoft.com/office/drawing/2014/main" id="{41766A2D-8255-14C2-CADB-FEEB8EF2B3C8}"/>
               </a:ext>
             </a:extLst>
           </p:cNvPr>
@@ -2116,7 +2116,7 @@
           <a:bodyPr/>
           <a:lstStyle/>
           <a:p>
-            <a:fld id="{837A18FB-303B-4AC9-8F0E-1B5BEA30939D}" type="slidenum">
+            <a:fld id="{08EB002B-F126-48F9-91F8-07F9C5A0680C}" type="slidenum">
               <a:rPr lang="zh-CN" altLang="en-US" smtClean="0"/>
               <a:t>‹#›</a:t>
             </a:fld>
@@ -2127,7 +2127,7 @@
     </p:spTree>
     <p:extLst>
       <p:ext uri="{BB962C8B-B14F-4D97-AF65-F5344CB8AC3E}">
-        <p14:creationId xmlns:p14="http://schemas.microsoft.com/office/powerpoint/2010/main" val="1189555390"/>
+        <p14:creationId xmlns:p14="http://schemas.microsoft.com/office/powerpoint/2010/main" val="1182903140"/>
       </p:ext>
     </p:extLst>
   </p:cSld>
@@ -2159,7 +2159,7 @@
           <p:cNvPr id="2" name="标题 1">
             <a:extLst>
               <a:ext uri="{FF2B5EF4-FFF2-40B4-BE49-F238E27FC236}">
-                <a16:creationId xmlns:a16="http://schemas.microsoft.com/office/drawing/2014/main" id="{710D52A1-FC56-981C-EF8E-130B2282BD40}"/>
+                <a16:creationId xmlns:a16="http://schemas.microsoft.com/office/drawing/2014/main" id="{3C13365A-F932-65A3-CD0E-B54678FE2D2B}"/>
               </a:ext>
             </a:extLst>
           </p:cNvPr>
@@ -2196,7 +2196,7 @@
           <p:cNvPr id="3" name="内容占位符 2">
             <a:extLst>
               <a:ext uri="{FF2B5EF4-FFF2-40B4-BE49-F238E27FC236}">
-                <a16:creationId xmlns:a16="http://schemas.microsoft.com/office/drawing/2014/main" id="{9815B1D3-CEDE-9F64-6BC9-48C4B89C4A2C}"/>
+                <a16:creationId xmlns:a16="http://schemas.microsoft.com/office/drawing/2014/main" id="{67757449-AB2D-C623-80B0-AAFF72B0E74B}"/>
               </a:ext>
             </a:extLst>
           </p:cNvPr>
@@ -2286,7 +2286,7 @@
           <p:cNvPr id="4" name="文本占位符 3">
             <a:extLst>
               <a:ext uri="{FF2B5EF4-FFF2-40B4-BE49-F238E27FC236}">
-                <a16:creationId xmlns:a16="http://schemas.microsoft.com/office/drawing/2014/main" id="{F46FE822-200B-E348-EF1E-CED356A19835}"/>
+                <a16:creationId xmlns:a16="http://schemas.microsoft.com/office/drawing/2014/main" id="{2E25C21A-0562-C2E4-96C4-D899498341BC}"/>
               </a:ext>
             </a:extLst>
           </p:cNvPr>
@@ -2357,7 +2357,7 @@
           <p:cNvPr id="5" name="日期占位符 4">
             <a:extLst>
               <a:ext uri="{FF2B5EF4-FFF2-40B4-BE49-F238E27FC236}">
-                <a16:creationId xmlns:a16="http://schemas.microsoft.com/office/drawing/2014/main" id="{D14CC913-C9D2-2057-5730-471133D54007}"/>
+                <a16:creationId xmlns:a16="http://schemas.microsoft.com/office/drawing/2014/main" id="{B8CEBF96-0B73-453C-FD78-9F228C493438}"/>
               </a:ext>
             </a:extLst>
           </p:cNvPr>
@@ -2373,7 +2373,7 @@
           <a:bodyPr/>
           <a:lstStyle/>
           <a:p>
-            <a:fld id="{9E1ED66B-2A90-44FD-8750-613D01E3996D}" type="datetimeFigureOut">
+            <a:fld id="{51911D81-3E00-4529-A67A-D4A86F72553B}" type="datetimeFigureOut">
               <a:rPr lang="zh-CN" altLang="en-US" smtClean="0"/>
               <a:t>2024/3/10</a:t>
             </a:fld>
@@ -2386,7 +2386,7 @@
           <p:cNvPr id="6" name="页脚占位符 5">
             <a:extLst>
               <a:ext uri="{FF2B5EF4-FFF2-40B4-BE49-F238E27FC236}">
-                <a16:creationId xmlns:a16="http://schemas.microsoft.com/office/drawing/2014/main" id="{2DDA22B7-027E-E03E-7A50-F63C044AAE95}"/>
+                <a16:creationId xmlns:a16="http://schemas.microsoft.com/office/drawing/2014/main" id="{1CC92D9A-0BC6-4C42-66F7-C2252CDA6A20}"/>
               </a:ext>
             </a:extLst>
           </p:cNvPr>
@@ -2411,7 +2411,7 @@
           <p:cNvPr id="7" name="灯片编号占位符 6">
             <a:extLst>
               <a:ext uri="{FF2B5EF4-FFF2-40B4-BE49-F238E27FC236}">
-                <a16:creationId xmlns:a16="http://schemas.microsoft.com/office/drawing/2014/main" id="{1AEF0A95-8D6E-A885-D498-C405E5CE9F8F}"/>
+                <a16:creationId xmlns:a16="http://schemas.microsoft.com/office/drawing/2014/main" id="{71EA6F39-A2BD-94B6-E6CB-907FEB6CE2AF}"/>
               </a:ext>
             </a:extLst>
           </p:cNvPr>
@@ -2427,7 +2427,7 @@
           <a:bodyPr/>
           <a:lstStyle/>
           <a:p>
-            <a:fld id="{837A18FB-303B-4AC9-8F0E-1B5BEA30939D}" type="slidenum">
+            <a:fld id="{08EB002B-F126-48F9-91F8-07F9C5A0680C}" type="slidenum">
               <a:rPr lang="zh-CN" altLang="en-US" smtClean="0"/>
               <a:t>‹#›</a:t>
             </a:fld>
@@ -2438,7 +2438,7 @@
     </p:spTree>
     <p:extLst>
       <p:ext uri="{BB962C8B-B14F-4D97-AF65-F5344CB8AC3E}">
-        <p14:creationId xmlns:p14="http://schemas.microsoft.com/office/powerpoint/2010/main" val="1345533070"/>
+        <p14:creationId xmlns:p14="http://schemas.microsoft.com/office/powerpoint/2010/main" val="10950117"/>
       </p:ext>
     </p:extLst>
   </p:cSld>
@@ -2470,7 +2470,7 @@
           <p:cNvPr id="2" name="标题 1">
             <a:extLst>
               <a:ext uri="{FF2B5EF4-FFF2-40B4-BE49-F238E27FC236}">
-                <a16:creationId xmlns:a16="http://schemas.microsoft.com/office/drawing/2014/main" id="{0D6F1782-D115-AA55-9134-C37B8080BEF0}"/>
+                <a16:creationId xmlns:a16="http://schemas.microsoft.com/office/drawing/2014/main" id="{092E1B2C-7E01-B723-7662-60862C4886A3}"/>
               </a:ext>
             </a:extLst>
           </p:cNvPr>
@@ -2507,7 +2507,7 @@
           <p:cNvPr id="3" name="图片占位符 2">
             <a:extLst>
               <a:ext uri="{FF2B5EF4-FFF2-40B4-BE49-F238E27FC236}">
-                <a16:creationId xmlns:a16="http://schemas.microsoft.com/office/drawing/2014/main" id="{1BB83774-3CEE-FF5B-2197-2A7D506F8791}"/>
+                <a16:creationId xmlns:a16="http://schemas.microsoft.com/office/drawing/2014/main" id="{D602CCB9-0BCD-521B-B5FE-8F957D6EE588}"/>
               </a:ext>
             </a:extLst>
           </p:cNvPr>
@@ -2574,7 +2574,7 @@
           <p:cNvPr id="4" name="文本占位符 3">
             <a:extLst>
               <a:ext uri="{FF2B5EF4-FFF2-40B4-BE49-F238E27FC236}">
-                <a16:creationId xmlns:a16="http://schemas.microsoft.com/office/drawing/2014/main" id="{E8D9FCBA-74B6-C3B6-34D3-35068DFC93BB}"/>
+                <a16:creationId xmlns:a16="http://schemas.microsoft.com/office/drawing/2014/main" id="{BFB6AA8D-576B-D345-0204-82367D771BF5}"/>
               </a:ext>
             </a:extLst>
           </p:cNvPr>
@@ -2645,7 +2645,7 @@
           <p:cNvPr id="5" name="日期占位符 4">
             <a:extLst>
               <a:ext uri="{FF2B5EF4-FFF2-40B4-BE49-F238E27FC236}">
-                <a16:creationId xmlns:a16="http://schemas.microsoft.com/office/drawing/2014/main" id="{EE85F2BC-9AE4-C926-57CE-1CFB117D9B63}"/>
+                <a16:creationId xmlns:a16="http://schemas.microsoft.com/office/drawing/2014/main" id="{65F03D1D-D729-6D3B-F5EB-7868EA3D98DD}"/>
               </a:ext>
             </a:extLst>
           </p:cNvPr>
@@ -2661,7 +2661,7 @@
           <a:bodyPr/>
           <a:lstStyle/>
           <a:p>
-            <a:fld id="{9E1ED66B-2A90-44FD-8750-613D01E3996D}" type="datetimeFigureOut">
+            <a:fld id="{51911D81-3E00-4529-A67A-D4A86F72553B}" type="datetimeFigureOut">
               <a:rPr lang="zh-CN" altLang="en-US" smtClean="0"/>
               <a:t>2024/3/10</a:t>
             </a:fld>
@@ -2674,7 +2674,7 @@
           <p:cNvPr id="6" name="页脚占位符 5">
             <a:extLst>
               <a:ext uri="{FF2B5EF4-FFF2-40B4-BE49-F238E27FC236}">
-                <a16:creationId xmlns:a16="http://schemas.microsoft.com/office/drawing/2014/main" id="{2E478A9B-8F64-3F2B-D4B3-52F4E9BD8C9B}"/>
+                <a16:creationId xmlns:a16="http://schemas.microsoft.com/office/drawing/2014/main" id="{46757CA8-EC7A-A88F-E8F5-3324B5BE7757}"/>
               </a:ext>
             </a:extLst>
           </p:cNvPr>
@@ -2699,7 +2699,7 @@
           <p:cNvPr id="7" name="灯片编号占位符 6">
             <a:extLst>
               <a:ext uri="{FF2B5EF4-FFF2-40B4-BE49-F238E27FC236}">
-                <a16:creationId xmlns:a16="http://schemas.microsoft.com/office/drawing/2014/main" id="{762BAE5B-6323-3DD3-5D3A-88988F0C06FC}"/>
+                <a16:creationId xmlns:a16="http://schemas.microsoft.com/office/drawing/2014/main" id="{8CAEE544-8FFD-42C5-82B1-00EEEAD0446B}"/>
               </a:ext>
             </a:extLst>
           </p:cNvPr>
@@ -2715,7 +2715,7 @@
           <a:bodyPr/>
           <a:lstStyle/>
           <a:p>
-            <a:fld id="{837A18FB-303B-4AC9-8F0E-1B5BEA30939D}" type="slidenum">
+            <a:fld id="{08EB002B-F126-48F9-91F8-07F9C5A0680C}" type="slidenum">
               <a:rPr lang="zh-CN" altLang="en-US" smtClean="0"/>
               <a:t>‹#›</a:t>
             </a:fld>
@@ -2726,7 +2726,7 @@
     </p:spTree>
     <p:extLst>
       <p:ext uri="{BB962C8B-B14F-4D97-AF65-F5344CB8AC3E}">
-        <p14:creationId xmlns:p14="http://schemas.microsoft.com/office/powerpoint/2010/main" val="1982007929"/>
+        <p14:creationId xmlns:p14="http://schemas.microsoft.com/office/powerpoint/2010/main" val="688505981"/>
       </p:ext>
     </p:extLst>
   </p:cSld>
@@ -2763,7 +2763,7 @@
           <p:cNvPr id="2" name="标题占位符 1">
             <a:extLst>
               <a:ext uri="{FF2B5EF4-FFF2-40B4-BE49-F238E27FC236}">
-                <a16:creationId xmlns:a16="http://schemas.microsoft.com/office/drawing/2014/main" id="{BFB76FA1-72B4-28C2-EE62-EA811A5D111C}"/>
+                <a16:creationId xmlns:a16="http://schemas.microsoft.com/office/drawing/2014/main" id="{21F03369-168C-EDFA-5D2A-F14F4C79893F}"/>
               </a:ext>
             </a:extLst>
           </p:cNvPr>
@@ -2801,7 +2801,7 @@
           <p:cNvPr id="3" name="文本占位符 2">
             <a:extLst>
               <a:ext uri="{FF2B5EF4-FFF2-40B4-BE49-F238E27FC236}">
-                <a16:creationId xmlns:a16="http://schemas.microsoft.com/office/drawing/2014/main" id="{122AB1E4-3324-3B5E-F828-F0D923F3220F}"/>
+                <a16:creationId xmlns:a16="http://schemas.microsoft.com/office/drawing/2014/main" id="{BB6D7471-7769-F72B-2833-9C3A510B8A9A}"/>
               </a:ext>
             </a:extLst>
           </p:cNvPr>
@@ -2868,7 +2868,7 @@
           <p:cNvPr id="4" name="日期占位符 3">
             <a:extLst>
               <a:ext uri="{FF2B5EF4-FFF2-40B4-BE49-F238E27FC236}">
-                <a16:creationId xmlns:a16="http://schemas.microsoft.com/office/drawing/2014/main" id="{EBB630C7-FC0E-5639-A98E-0562B20ED46B}"/>
+                <a16:creationId xmlns:a16="http://schemas.microsoft.com/office/drawing/2014/main" id="{FD54D6FD-B4C7-F5C1-0E66-5FE2B6F2970C}"/>
               </a:ext>
             </a:extLst>
           </p:cNvPr>
@@ -2902,7 +2902,7 @@
             </a:lvl1pPr>
           </a:lstStyle>
           <a:p>
-            <a:fld id="{9E1ED66B-2A90-44FD-8750-613D01E3996D}" type="datetimeFigureOut">
+            <a:fld id="{51911D81-3E00-4529-A67A-D4A86F72553B}" type="datetimeFigureOut">
               <a:rPr lang="zh-CN" altLang="en-US" smtClean="0"/>
               <a:t>2024/3/10</a:t>
             </a:fld>
@@ -2915,7 +2915,7 @@
           <p:cNvPr id="5" name="页脚占位符 4">
             <a:extLst>
               <a:ext uri="{FF2B5EF4-FFF2-40B4-BE49-F238E27FC236}">
-                <a16:creationId xmlns:a16="http://schemas.microsoft.com/office/drawing/2014/main" id="{6CBC8E1E-7A8E-B4F5-16CE-B575769CF62F}"/>
+                <a16:creationId xmlns:a16="http://schemas.microsoft.com/office/drawing/2014/main" id="{605DABA7-5DA4-8741-68B6-307DF4C2A29D}"/>
               </a:ext>
             </a:extLst>
           </p:cNvPr>
@@ -2958,7 +2958,7 @@
           <p:cNvPr id="6" name="灯片编号占位符 5">
             <a:extLst>
               <a:ext uri="{FF2B5EF4-FFF2-40B4-BE49-F238E27FC236}">
-                <a16:creationId xmlns:a16="http://schemas.microsoft.com/office/drawing/2014/main" id="{105D7DFC-A7C0-6948-B0A0-7799185CC700}"/>
+                <a16:creationId xmlns:a16="http://schemas.microsoft.com/office/drawing/2014/main" id="{84CB7046-3B62-2443-FFF1-5231FC0EB2A6}"/>
               </a:ext>
             </a:extLst>
           </p:cNvPr>
@@ -2992,7 +2992,7 @@
             </a:lvl1pPr>
           </a:lstStyle>
           <a:p>
-            <a:fld id="{837A18FB-303B-4AC9-8F0E-1B5BEA30939D}" type="slidenum">
+            <a:fld id="{08EB002B-F126-48F9-91F8-07F9C5A0680C}" type="slidenum">
               <a:rPr lang="zh-CN" altLang="en-US" smtClean="0"/>
               <a:t>‹#›</a:t>
             </a:fld>
@@ -3003,7 +3003,7 @@
     </p:spTree>
     <p:extLst>
       <p:ext uri="{BB962C8B-B14F-4D97-AF65-F5344CB8AC3E}">
-        <p14:creationId xmlns:p14="http://schemas.microsoft.com/office/powerpoint/2010/main" val="3403720994"/>
+        <p14:creationId xmlns:p14="http://schemas.microsoft.com/office/powerpoint/2010/main" val="1993546615"/>
       </p:ext>
     </p:extLst>
   </p:cSld>
